--- a/docs/JamieAbraham-CoveringLetter-Rebellion-2018.pptx
+++ b/docs/JamieAbraham-CoveringLetter-Rebellion-2018.pptx
@@ -254,7 +254,7 @@
           <a:p>
             <a:fld id="{84C74417-11DD-4757-A00A-D272797CF304}" type="datetimeFigureOut">
               <a:rPr lang="en-GB" smtClean="0"/>
-              <a:t>20/02/2018</a:t>
+              <a:t>21/02/2018</a:t>
             </a:fld>
             <a:endParaRPr lang="en-GB"/>
           </a:p>
@@ -424,7 +424,7 @@
           <a:p>
             <a:fld id="{84C74417-11DD-4757-A00A-D272797CF304}" type="datetimeFigureOut">
               <a:rPr lang="en-GB" smtClean="0"/>
-              <a:t>20/02/2018</a:t>
+              <a:t>21/02/2018</a:t>
             </a:fld>
             <a:endParaRPr lang="en-GB"/>
           </a:p>
@@ -604,7 +604,7 @@
           <a:p>
             <a:fld id="{84C74417-11DD-4757-A00A-D272797CF304}" type="datetimeFigureOut">
               <a:rPr lang="en-GB" smtClean="0"/>
-              <a:t>20/02/2018</a:t>
+              <a:t>21/02/2018</a:t>
             </a:fld>
             <a:endParaRPr lang="en-GB"/>
           </a:p>
@@ -774,7 +774,7 @@
           <a:p>
             <a:fld id="{84C74417-11DD-4757-A00A-D272797CF304}" type="datetimeFigureOut">
               <a:rPr lang="en-GB" smtClean="0"/>
-              <a:t>20/02/2018</a:t>
+              <a:t>21/02/2018</a:t>
             </a:fld>
             <a:endParaRPr lang="en-GB"/>
           </a:p>
@@ -1018,7 +1018,7 @@
           <a:p>
             <a:fld id="{84C74417-11DD-4757-A00A-D272797CF304}" type="datetimeFigureOut">
               <a:rPr lang="en-GB" smtClean="0"/>
-              <a:t>20/02/2018</a:t>
+              <a:t>21/02/2018</a:t>
             </a:fld>
             <a:endParaRPr lang="en-GB"/>
           </a:p>
@@ -1250,7 +1250,7 @@
           <a:p>
             <a:fld id="{84C74417-11DD-4757-A00A-D272797CF304}" type="datetimeFigureOut">
               <a:rPr lang="en-GB" smtClean="0"/>
-              <a:t>20/02/2018</a:t>
+              <a:t>21/02/2018</a:t>
             </a:fld>
             <a:endParaRPr lang="en-GB"/>
           </a:p>
@@ -1617,7 +1617,7 @@
           <a:p>
             <a:fld id="{84C74417-11DD-4757-A00A-D272797CF304}" type="datetimeFigureOut">
               <a:rPr lang="en-GB" smtClean="0"/>
-              <a:t>20/02/2018</a:t>
+              <a:t>21/02/2018</a:t>
             </a:fld>
             <a:endParaRPr lang="en-GB"/>
           </a:p>
@@ -1735,7 +1735,7 @@
           <a:p>
             <a:fld id="{84C74417-11DD-4757-A00A-D272797CF304}" type="datetimeFigureOut">
               <a:rPr lang="en-GB" smtClean="0"/>
-              <a:t>20/02/2018</a:t>
+              <a:t>21/02/2018</a:t>
             </a:fld>
             <a:endParaRPr lang="en-GB"/>
           </a:p>
@@ -1830,7 +1830,7 @@
           <a:p>
             <a:fld id="{84C74417-11DD-4757-A00A-D272797CF304}" type="datetimeFigureOut">
               <a:rPr lang="en-GB" smtClean="0"/>
-              <a:t>20/02/2018</a:t>
+              <a:t>21/02/2018</a:t>
             </a:fld>
             <a:endParaRPr lang="en-GB"/>
           </a:p>
@@ -2107,7 +2107,7 @@
           <a:p>
             <a:fld id="{84C74417-11DD-4757-A00A-D272797CF304}" type="datetimeFigureOut">
               <a:rPr lang="en-GB" smtClean="0"/>
-              <a:t>20/02/2018</a:t>
+              <a:t>21/02/2018</a:t>
             </a:fld>
             <a:endParaRPr lang="en-GB"/>
           </a:p>
@@ -2364,7 +2364,7 @@
           <a:p>
             <a:fld id="{84C74417-11DD-4757-A00A-D272797CF304}" type="datetimeFigureOut">
               <a:rPr lang="en-GB" smtClean="0"/>
-              <a:t>20/02/2018</a:t>
+              <a:t>21/02/2018</a:t>
             </a:fld>
             <a:endParaRPr lang="en-GB"/>
           </a:p>
@@ -2580,7 +2580,7 @@
           <a:p>
             <a:fld id="{84C74417-11DD-4757-A00A-D272797CF304}" type="datetimeFigureOut">
               <a:rPr lang="en-GB" smtClean="0"/>
-              <a:t>20/02/2018</a:t>
+              <a:t>21/02/2018</a:t>
             </a:fld>
             <a:endParaRPr lang="en-GB"/>
           </a:p>
@@ -3056,7 +3056,7 @@
         <p:spPr>
           <a:xfrm>
             <a:off x="0" y="1136576"/>
-            <a:ext cx="6858000" cy="492443"/>
+            <a:ext cx="6858000" cy="400110"/>
           </a:xfrm>
           <a:prstGeom prst="rect">
             <a:avLst/>
@@ -3071,16 +3071,16 @@
           <a:p>
             <a:pPr algn="ctr"/>
             <a:r>
-              <a:rPr lang="en-GB" sz="2600" b="1" dirty="0" smtClean="0">
+              <a:rPr lang="en-GB" sz="2000" b="1" dirty="0" smtClean="0">
                 <a:solidFill>
                   <a:srgbClr val="E05050"/>
                 </a:solidFill>
                 <a:latin typeface="Josefin Sans" pitchFamily="2" charset="0"/>
                 <a:ea typeface="Josefin Sans" pitchFamily="2" charset="0"/>
               </a:rPr>
-              <a:t>Covering Letter for Rebellion Developments</a:t>
-            </a:r>
-            <a:endParaRPr lang="en-GB" sz="2600" b="1" dirty="0">
+              <a:t>Covering Letter – Web Designer (Junior to Experienced)</a:t>
+            </a:r>
+            <a:endParaRPr lang="en-GB" sz="2000" b="1" dirty="0">
               <a:solidFill>
                 <a:srgbClr val="E05050"/>
               </a:solidFill>
@@ -3098,8 +3098,8 @@
         </p:nvSpPr>
         <p:spPr>
           <a:xfrm>
-            <a:off x="188640" y="1820652"/>
-            <a:ext cx="6516724" cy="8032968"/>
+            <a:off x="188640" y="1712640"/>
+            <a:ext cx="6516724" cy="7848302"/>
           </a:xfrm>
           <a:prstGeom prst="rect">
             <a:avLst/>
@@ -3122,12 +3122,6 @@
               </a:rPr>
               <a:t>Dear Sir/Madam,</a:t>
             </a:r>
-            <a:endParaRPr lang="en-GB" sz="1200" dirty="0" smtClean="0">
-              <a:solidFill>
-                <a:srgbClr val="222A35"/>
-              </a:solidFill>
-              <a:latin typeface="Raleway-v4020 Medium" panose="00000600000000000000" pitchFamily="50" charset="0"/>
-            </a:endParaRPr>
           </a:p>
           <a:p>
             <a:pPr lvl="0" algn="just"/>
@@ -3156,7 +3150,43 @@
                 </a:solidFill>
                 <a:latin typeface="Raleway-v4020 Medium" panose="00000600000000000000" pitchFamily="50" charset="0"/>
               </a:rPr>
-              <a:t>feel I am well suited for this role due to my personal love in games and my professional experience working as a web developer. My dream is to have a career in the games industry I would be honoured to work with a studio as historic and prestigious as Rebellion Developments. Thanks to my love of travel and new experiences I would be very happy to move to Oxford. </a:t>
+              <a:t>feel I am well suited for this role due to my personal </a:t>
+            </a:r>
+            <a:r>
+              <a:rPr lang="en-GB" sz="1200" dirty="0" smtClean="0">
+                <a:solidFill>
+                  <a:srgbClr val="222A35"/>
+                </a:solidFill>
+                <a:latin typeface="Raleway-v4020 Medium" panose="00000600000000000000" pitchFamily="50" charset="0"/>
+              </a:rPr>
+              <a:t>passion for games </a:t>
+            </a:r>
+            <a:r>
+              <a:rPr lang="en-GB" sz="1200" dirty="0">
+                <a:solidFill>
+                  <a:srgbClr val="222A35"/>
+                </a:solidFill>
+                <a:latin typeface="Raleway-v4020 Medium" panose="00000600000000000000" pitchFamily="50" charset="0"/>
+              </a:rPr>
+              <a:t>and my professional experience working as a web developer. My dream is to have a career in the games industry I would be honoured to work with a studio as historic and prestigious as Rebellion Developments. Thanks to my love of travel and new experiences I would be </a:t>
+            </a:r>
+            <a:r>
+              <a:rPr lang="en-GB" sz="1200" dirty="0" smtClean="0">
+                <a:solidFill>
+                  <a:srgbClr val="222A35"/>
+                </a:solidFill>
+                <a:latin typeface="Raleway-v4020 Medium" panose="00000600000000000000" pitchFamily="50" charset="0"/>
+              </a:rPr>
+              <a:t>delighted </a:t>
+            </a:r>
+            <a:r>
+              <a:rPr lang="en-GB" sz="1200" dirty="0">
+                <a:solidFill>
+                  <a:srgbClr val="222A35"/>
+                </a:solidFill>
+                <a:latin typeface="Raleway-v4020 Medium" panose="00000600000000000000" pitchFamily="50" charset="0"/>
+              </a:rPr>
+              <a:t>to move to Oxford. </a:t>
             </a:r>
           </a:p>
           <a:p>
@@ -3186,7 +3216,43 @@
                 </a:solidFill>
                 <a:latin typeface="Raleway-v4020 Medium" panose="00000600000000000000" pitchFamily="50" charset="0"/>
               </a:rPr>
-              <a:t>do have 3 years of professional experience working as a web developer, but I haven’t used PHP before. If I were offered a job I would work extremely hard to build my knowledge of PHP and learn as much as possible before starting. With my degree and personal learning skills I have no doubt in my ability to learn quickly so I could hit the ground running.</a:t>
+              <a:t>do have 3 years of professional experience working as a web developer, but I haven’t used PHP before</a:t>
+            </a:r>
+            <a:r>
+              <a:rPr lang="en-GB" sz="1200" dirty="0">
+                <a:solidFill>
+                  <a:srgbClr val="222A35"/>
+                </a:solidFill>
+                <a:latin typeface="Raleway-v4020 Medium" panose="00000600000000000000" pitchFamily="50" charset="0"/>
+              </a:rPr>
+              <a:t>. I am extremely determined to build my knowledge of PHP so I have a strong foundation to build upon in this </a:t>
+            </a:r>
+            <a:r>
+              <a:rPr lang="en-GB" sz="1200" dirty="0" smtClean="0">
+                <a:solidFill>
+                  <a:srgbClr val="222A35"/>
+                </a:solidFill>
+                <a:latin typeface="Raleway-v4020 Medium" panose="00000600000000000000" pitchFamily="50" charset="0"/>
+              </a:rPr>
+              <a:t>role.</a:t>
+            </a:r>
+            <a:r>
+              <a:rPr lang="en-GB" sz="1200" dirty="0" smtClean="0">
+                <a:solidFill>
+                  <a:srgbClr val="222A35"/>
+                </a:solidFill>
+                <a:latin typeface="Raleway-v4020 Medium" panose="00000600000000000000" pitchFamily="50" charset="0"/>
+              </a:rPr>
+              <a:t> </a:t>
+            </a:r>
+            <a:r>
+              <a:rPr lang="en-GB" sz="1200" dirty="0">
+                <a:solidFill>
+                  <a:srgbClr val="222A35"/>
+                </a:solidFill>
+                <a:latin typeface="Raleway-v4020 Medium" panose="00000600000000000000" pitchFamily="50" charset="0"/>
+              </a:rPr>
+              <a:t>With my degree and personal learning skills I have no doubt in my ability to learn quickly so I could hit the ground running.</a:t>
             </a:r>
           </a:p>
           <a:p>
@@ -3207,7 +3273,16 @@
                 </a:solidFill>
                 <a:latin typeface="Raleway-v4020 Medium" panose="00000600000000000000" pitchFamily="50" charset="0"/>
               </a:rPr>
-              <a:t>	I’ve </a:t>
+              <a:t>	</a:t>
+            </a:r>
+            <a:r>
+              <a:rPr lang="en-GB" sz="1200" dirty="0" smtClean="0">
+                <a:solidFill>
+                  <a:srgbClr val="222A35"/>
+                </a:solidFill>
+                <a:latin typeface="Raleway-v4020 Medium" panose="00000600000000000000" pitchFamily="50" charset="0"/>
+              </a:rPr>
+              <a:t>I have </a:t>
             </a:r>
             <a:r>
               <a:rPr lang="en-GB" sz="1200" dirty="0">
@@ -3216,7 +3291,25 @@
                 </a:solidFill>
                 <a:latin typeface="Raleway-v4020 Medium" panose="00000600000000000000" pitchFamily="50" charset="0"/>
               </a:rPr>
-              <a:t>designed and developed multiple sites for different organisations, from town councils with only hundreds of residents to large trade associations with tens of thousands of members. As part of that role I have had to wireframe sites, negotiate designs and work with stake holders to build confidence in the product. From those plans I’ve created the sites in HTML and CSS using our in house, ASP </a:t>
+              <a:t>designed and developed multiple sites for different organisations, from town councils with </a:t>
+            </a:r>
+            <a:r>
+              <a:rPr lang="en-GB" sz="1200" dirty="0" smtClean="0">
+                <a:solidFill>
+                  <a:srgbClr val="222A35"/>
+                </a:solidFill>
+                <a:latin typeface="Raleway-v4020 Medium" panose="00000600000000000000" pitchFamily="50" charset="0"/>
+              </a:rPr>
+              <a:t>hundreds </a:t>
+            </a:r>
+            <a:r>
+              <a:rPr lang="en-GB" sz="1200" dirty="0">
+                <a:solidFill>
+                  <a:srgbClr val="222A35"/>
+                </a:solidFill>
+                <a:latin typeface="Raleway-v4020 Medium" panose="00000600000000000000" pitchFamily="50" charset="0"/>
+              </a:rPr>
+              <a:t>of residents to large trade associations with tens of thousands of members. As part of that role I have had to wireframe sites, negotiate designs and work with stake holders to build confidence in the product. From those plans I’ve created the sites in HTML and CSS using our in house, ASP </a:t>
             </a:r>
             <a:r>
               <a:rPr lang="en-GB" sz="1200" dirty="0" err="1">
@@ -3252,7 +3345,25 @@
                 </a:solidFill>
                 <a:latin typeface="Raleway-v4020 Medium" panose="00000600000000000000" pitchFamily="50" charset="0"/>
               </a:rPr>
-              <a:t> and continuous integration with TeamCity. We then work with the organisation to import their membership and content data, launch the website, and continue to support them with the running of their business.</a:t>
+              <a:t> and continuous integration with TeamCity. </a:t>
+            </a:r>
+            <a:r>
+              <a:rPr lang="en-GB" sz="1200" dirty="0" smtClean="0">
+                <a:solidFill>
+                  <a:srgbClr val="222A35"/>
+                </a:solidFill>
+                <a:latin typeface="Raleway-v4020 Medium" panose="00000600000000000000" pitchFamily="50" charset="0"/>
+              </a:rPr>
+              <a:t>I then </a:t>
+            </a:r>
+            <a:r>
+              <a:rPr lang="en-GB" sz="1200" dirty="0">
+                <a:solidFill>
+                  <a:srgbClr val="222A35"/>
+                </a:solidFill>
+                <a:latin typeface="Raleway-v4020 Medium" panose="00000600000000000000" pitchFamily="50" charset="0"/>
+              </a:rPr>
+              <a:t>work with the organisation to import their membership and content data, launch the website, and continue to support them with the running of their business.</a:t>
             </a:r>
           </a:p>
           <a:p>
@@ -3333,13 +3444,22 @@
           <a:p>
             <a:pPr lvl="0" algn="just"/>
             <a:r>
+              <a:rPr lang="en-GB" sz="1200" dirty="0" smtClean="0">
+                <a:solidFill>
+                  <a:srgbClr val="222A35"/>
+                </a:solidFill>
+                <a:latin typeface="Raleway-v4020 Medium" panose="00000600000000000000" pitchFamily="50" charset="0"/>
+              </a:rPr>
+              <a:t>	Getting </a:t>
+            </a:r>
+            <a:r>
               <a:rPr lang="en-GB" sz="1200" dirty="0">
                 <a:solidFill>
                   <a:srgbClr val="222A35"/>
                 </a:solidFill>
                 <a:latin typeface="Raleway-v4020 Medium" panose="00000600000000000000" pitchFamily="50" charset="0"/>
               </a:rPr>
-              <a:t>	</a:t>
+              <a:t>my degree required a high level of discipline and organisation to ensure tight deadlines were met</a:t>
             </a:r>
             <a:r>
               <a:rPr lang="en-GB" sz="1200" dirty="0" smtClean="0">
@@ -3348,7 +3468,7 @@
                 </a:solidFill>
                 <a:latin typeface="Raleway-v4020 Medium" panose="00000600000000000000" pitchFamily="50" charset="0"/>
               </a:rPr>
-              <a:t>In </a:t>
+              <a:t>. </a:t>
             </a:r>
             <a:r>
               <a:rPr lang="en-GB" sz="1200" dirty="0">
@@ -3357,7 +3477,43 @@
                 </a:solidFill>
                 <a:latin typeface="Raleway-v4020 Medium" panose="00000600000000000000" pitchFamily="50" charset="0"/>
               </a:rPr>
-              <a:t>getting my degree I had to be disciplined and organised to continually meet tight deadlines. My organisational skills have come in handy for planning and executing those plans on a 3 week rail trip around Europe. My best skill is how well I work with other people, having to assist both customers and team members in many support </a:t>
+              <a:t>My organisational skills have </a:t>
+            </a:r>
+            <a:r>
+              <a:rPr lang="en-GB" sz="1200" dirty="0" smtClean="0">
+                <a:solidFill>
+                  <a:srgbClr val="222A35"/>
+                </a:solidFill>
+                <a:latin typeface="Raleway-v4020 Medium" panose="00000600000000000000" pitchFamily="50" charset="0"/>
+              </a:rPr>
+              <a:t>been utilised in planning </a:t>
+            </a:r>
+            <a:r>
+              <a:rPr lang="en-GB" sz="1200" dirty="0">
+                <a:solidFill>
+                  <a:srgbClr val="222A35"/>
+                </a:solidFill>
+                <a:latin typeface="Raleway-v4020 Medium" panose="00000600000000000000" pitchFamily="50" charset="0"/>
+              </a:rPr>
+              <a:t>and </a:t>
+            </a:r>
+            <a:r>
+              <a:rPr lang="en-GB" sz="1200" dirty="0" smtClean="0">
+                <a:solidFill>
+                  <a:srgbClr val="222A35"/>
+                </a:solidFill>
+                <a:latin typeface="Raleway-v4020 Medium" panose="00000600000000000000" pitchFamily="50" charset="0"/>
+              </a:rPr>
+              <a:t>embarking on a </a:t>
+            </a:r>
+            <a:r>
+              <a:rPr lang="en-GB" sz="1200" dirty="0">
+                <a:solidFill>
+                  <a:srgbClr val="222A35"/>
+                </a:solidFill>
+                <a:latin typeface="Raleway-v4020 Medium" panose="00000600000000000000" pitchFamily="50" charset="0"/>
+              </a:rPr>
+              <a:t>3 week rail trip around Europe. My best skill is how well I work with other people, having to assist both customers and team members in many support </a:t>
             </a:r>
             <a:r>
               <a:rPr lang="en-GB" sz="1200" dirty="0" smtClean="0">
@@ -3408,8 +3564,23 @@
                 </a:solidFill>
                 <a:latin typeface="Raleway-v4020 Medium" panose="00000600000000000000" pitchFamily="50" charset="0"/>
               </a:rPr>
-              <a:t>Thank you for your consideration</a:t>
-            </a:r>
+              <a:t>Thank you for your </a:t>
+            </a:r>
+            <a:r>
+              <a:rPr lang="en-GB" sz="1200" dirty="0" smtClean="0">
+                <a:solidFill>
+                  <a:srgbClr val="222A35"/>
+                </a:solidFill>
+                <a:latin typeface="Raleway-v4020 Medium" panose="00000600000000000000" pitchFamily="50" charset="0"/>
+              </a:rPr>
+              <a:t>consideration,</a:t>
+            </a:r>
+            <a:endParaRPr lang="en-GB" sz="1200" dirty="0" smtClean="0">
+              <a:solidFill>
+                <a:srgbClr val="222A35"/>
+              </a:solidFill>
+              <a:latin typeface="Raleway-v4020 Medium" panose="00000600000000000000" pitchFamily="50" charset="0"/>
+            </a:endParaRPr>
           </a:p>
           <a:p>
             <a:pPr lvl="0" algn="just"/>

--- a/docs/JamieAbraham-CoveringLetter-Rebellion-2018.pptx
+++ b/docs/JamieAbraham-CoveringLetter-Rebellion-2018.pptx
@@ -254,7 +254,7 @@
           <a:p>
             <a:fld id="{84C74417-11DD-4757-A00A-D272797CF304}" type="datetimeFigureOut">
               <a:rPr lang="en-GB" smtClean="0"/>
-              <a:t>21/02/2018</a:t>
+              <a:t>09/03/2018</a:t>
             </a:fld>
             <a:endParaRPr lang="en-GB"/>
           </a:p>
@@ -424,7 +424,7 @@
           <a:p>
             <a:fld id="{84C74417-11DD-4757-A00A-D272797CF304}" type="datetimeFigureOut">
               <a:rPr lang="en-GB" smtClean="0"/>
-              <a:t>21/02/2018</a:t>
+              <a:t>09/03/2018</a:t>
             </a:fld>
             <a:endParaRPr lang="en-GB"/>
           </a:p>
@@ -604,7 +604,7 @@
           <a:p>
             <a:fld id="{84C74417-11DD-4757-A00A-D272797CF304}" type="datetimeFigureOut">
               <a:rPr lang="en-GB" smtClean="0"/>
-              <a:t>21/02/2018</a:t>
+              <a:t>09/03/2018</a:t>
             </a:fld>
             <a:endParaRPr lang="en-GB"/>
           </a:p>
@@ -774,7 +774,7 @@
           <a:p>
             <a:fld id="{84C74417-11DD-4757-A00A-D272797CF304}" type="datetimeFigureOut">
               <a:rPr lang="en-GB" smtClean="0"/>
-              <a:t>21/02/2018</a:t>
+              <a:t>09/03/2018</a:t>
             </a:fld>
             <a:endParaRPr lang="en-GB"/>
           </a:p>
@@ -1018,7 +1018,7 @@
           <a:p>
             <a:fld id="{84C74417-11DD-4757-A00A-D272797CF304}" type="datetimeFigureOut">
               <a:rPr lang="en-GB" smtClean="0"/>
-              <a:t>21/02/2018</a:t>
+              <a:t>09/03/2018</a:t>
             </a:fld>
             <a:endParaRPr lang="en-GB"/>
           </a:p>
@@ -1250,7 +1250,7 @@
           <a:p>
             <a:fld id="{84C74417-11DD-4757-A00A-D272797CF304}" type="datetimeFigureOut">
               <a:rPr lang="en-GB" smtClean="0"/>
-              <a:t>21/02/2018</a:t>
+              <a:t>09/03/2018</a:t>
             </a:fld>
             <a:endParaRPr lang="en-GB"/>
           </a:p>
@@ -1617,7 +1617,7 @@
           <a:p>
             <a:fld id="{84C74417-11DD-4757-A00A-D272797CF304}" type="datetimeFigureOut">
               <a:rPr lang="en-GB" smtClean="0"/>
-              <a:t>21/02/2018</a:t>
+              <a:t>09/03/2018</a:t>
             </a:fld>
             <a:endParaRPr lang="en-GB"/>
           </a:p>
@@ -1735,7 +1735,7 @@
           <a:p>
             <a:fld id="{84C74417-11DD-4757-A00A-D272797CF304}" type="datetimeFigureOut">
               <a:rPr lang="en-GB" smtClean="0"/>
-              <a:t>21/02/2018</a:t>
+              <a:t>09/03/2018</a:t>
             </a:fld>
             <a:endParaRPr lang="en-GB"/>
           </a:p>
@@ -1830,7 +1830,7 @@
           <a:p>
             <a:fld id="{84C74417-11DD-4757-A00A-D272797CF304}" type="datetimeFigureOut">
               <a:rPr lang="en-GB" smtClean="0"/>
-              <a:t>21/02/2018</a:t>
+              <a:t>09/03/2018</a:t>
             </a:fld>
             <a:endParaRPr lang="en-GB"/>
           </a:p>
@@ -2107,7 +2107,7 @@
           <a:p>
             <a:fld id="{84C74417-11DD-4757-A00A-D272797CF304}" type="datetimeFigureOut">
               <a:rPr lang="en-GB" smtClean="0"/>
-              <a:t>21/02/2018</a:t>
+              <a:t>09/03/2018</a:t>
             </a:fld>
             <a:endParaRPr lang="en-GB"/>
           </a:p>
@@ -2364,7 +2364,7 @@
           <a:p>
             <a:fld id="{84C74417-11DD-4757-A00A-D272797CF304}" type="datetimeFigureOut">
               <a:rPr lang="en-GB" smtClean="0"/>
-              <a:t>21/02/2018</a:t>
+              <a:t>09/03/2018</a:t>
             </a:fld>
             <a:endParaRPr lang="en-GB"/>
           </a:p>
@@ -2580,7 +2580,7 @@
           <a:p>
             <a:fld id="{84C74417-11DD-4757-A00A-D272797CF304}" type="datetimeFigureOut">
               <a:rPr lang="en-GB" smtClean="0"/>
-              <a:t>21/02/2018</a:t>
+              <a:t>09/03/2018</a:t>
             </a:fld>
             <a:endParaRPr lang="en-GB"/>
           </a:p>
@@ -3216,16 +3216,7 @@
                 </a:solidFill>
                 <a:latin typeface="Raleway-v4020 Medium" panose="00000600000000000000" pitchFamily="50" charset="0"/>
               </a:rPr>
-              <a:t>do have 3 years of professional experience working as a web developer, but I haven’t used PHP before</a:t>
-            </a:r>
-            <a:r>
-              <a:rPr lang="en-GB" sz="1200" dirty="0">
-                <a:solidFill>
-                  <a:srgbClr val="222A35"/>
-                </a:solidFill>
-                <a:latin typeface="Raleway-v4020 Medium" panose="00000600000000000000" pitchFamily="50" charset="0"/>
-              </a:rPr>
-              <a:t>. I am extremely determined to build my knowledge of PHP so I have a strong foundation to build upon in this </a:t>
+              <a:t>do have 3 years of professional experience working as a web developer, but I haven’t used PHP before. I am extremely determined to build my knowledge of PHP so I have a strong foundation to build upon in this </a:t>
             </a:r>
             <a:r>
               <a:rPr lang="en-GB" sz="1200" dirty="0" smtClean="0">
@@ -3234,16 +3225,7 @@
                 </a:solidFill>
                 <a:latin typeface="Raleway-v4020 Medium" panose="00000600000000000000" pitchFamily="50" charset="0"/>
               </a:rPr>
-              <a:t>role.</a:t>
-            </a:r>
-            <a:r>
-              <a:rPr lang="en-GB" sz="1200" dirty="0" smtClean="0">
-                <a:solidFill>
-                  <a:srgbClr val="222A35"/>
-                </a:solidFill>
-                <a:latin typeface="Raleway-v4020 Medium" panose="00000600000000000000" pitchFamily="50" charset="0"/>
-              </a:rPr>
-              <a:t> </a:t>
+              <a:t>role. </a:t>
             </a:r>
             <a:r>
               <a:rPr lang="en-GB" sz="1200" dirty="0">
@@ -3273,16 +3255,7 @@
                 </a:solidFill>
                 <a:latin typeface="Raleway-v4020 Medium" panose="00000600000000000000" pitchFamily="50" charset="0"/>
               </a:rPr>
-              <a:t>	</a:t>
-            </a:r>
-            <a:r>
-              <a:rPr lang="en-GB" sz="1200" dirty="0" smtClean="0">
-                <a:solidFill>
-                  <a:srgbClr val="222A35"/>
-                </a:solidFill>
-                <a:latin typeface="Raleway-v4020 Medium" panose="00000600000000000000" pitchFamily="50" charset="0"/>
-              </a:rPr>
-              <a:t>I have </a:t>
+              <a:t>	I have </a:t>
             </a:r>
             <a:r>
               <a:rPr lang="en-GB" sz="1200" dirty="0">
@@ -3564,23 +3537,8 @@
                 </a:solidFill>
                 <a:latin typeface="Raleway-v4020 Medium" panose="00000600000000000000" pitchFamily="50" charset="0"/>
               </a:rPr>
-              <a:t>Thank you for your </a:t>
-            </a:r>
-            <a:r>
-              <a:rPr lang="en-GB" sz="1200" dirty="0" smtClean="0">
-                <a:solidFill>
-                  <a:srgbClr val="222A35"/>
-                </a:solidFill>
-                <a:latin typeface="Raleway-v4020 Medium" panose="00000600000000000000" pitchFamily="50" charset="0"/>
-              </a:rPr>
-              <a:t>consideration,</a:t>
-            </a:r>
-            <a:endParaRPr lang="en-GB" sz="1200" dirty="0" smtClean="0">
-              <a:solidFill>
-                <a:srgbClr val="222A35"/>
-              </a:solidFill>
-              <a:latin typeface="Raleway-v4020 Medium" panose="00000600000000000000" pitchFamily="50" charset="0"/>
-            </a:endParaRPr>
+              <a:t>Thank you for your consideration,</a:t>
+            </a:r>
           </a:p>
           <a:p>
             <a:pPr lvl="0" algn="just"/>
@@ -3709,6 +3667,47 @@
                 <a:latin typeface="Raleway-v4020 Medium" panose="00000600000000000000" pitchFamily="50" charset="0"/>
               </a:rPr>
               <a:t>07999 688 021</a:t>
+            </a:r>
+            <a:endParaRPr lang="en-GB" sz="1000" dirty="0">
+              <a:solidFill>
+                <a:srgbClr val="DADAD9"/>
+              </a:solidFill>
+              <a:latin typeface="Raleway-v4020 Medium" panose="00000600000000000000" pitchFamily="50" charset="0"/>
+            </a:endParaRPr>
+          </a:p>
+        </p:txBody>
+      </p:sp>
+      <p:sp>
+        <p:nvSpPr>
+          <p:cNvPr id="7" name="TextBox 6"/>
+          <p:cNvSpPr txBox="1"/>
+          <p:nvPr/>
+        </p:nvSpPr>
+        <p:spPr>
+          <a:xfrm>
+            <a:off x="2435224" y="746339"/>
+            <a:ext cx="1987551" cy="246221"/>
+          </a:xfrm>
+          <a:prstGeom prst="rect">
+            <a:avLst/>
+          </a:prstGeom>
+          <a:noFill/>
+        </p:spPr>
+        <p:txBody>
+          <a:bodyPr wrap="square" rtlCol="0">
+            <a:spAutoFit/>
+          </a:bodyPr>
+          <a:lstStyle/>
+          <a:p>
+            <a:pPr algn="ctr"/>
+            <a:r>
+              <a:rPr lang="en-GB" sz="1000" smtClean="0">
+                <a:solidFill>
+                  <a:srgbClr val="DADAD9"/>
+                </a:solidFill>
+                <a:latin typeface="Raleway-v4020 Medium" panose="00000600000000000000" pitchFamily="50" charset="0"/>
+              </a:rPr>
+              <a:t>jamieabraham.com</a:t>
             </a:r>
             <a:endParaRPr lang="en-GB" sz="1000" dirty="0">
               <a:solidFill>
